--- a/2. Core Java/Day 3/Slides/6. Looping and Arrays/looping-and-arrays-slides.pptx
+++ b/2. Core Java/Day 3/Slides/6. Looping and Arrays/looping-and-arrays-slides.pptx
@@ -3844,54 +3844,6 @@
               <a:cs typeface="Courier New" panose="02070309020205020404"/>
             </a:endParaRPr>
           </a:p>
-        </p:txBody>
-      </p:sp>
-      <p:sp>
-        <p:nvSpPr>
-          <p:cNvPr id="21" name="object 21"/>
-          <p:cNvSpPr/>
-          <p:nvPr/>
-        </p:nvSpPr>
-        <p:spPr>
-          <a:xfrm>
-            <a:off x="2796539" y="1117091"/>
-            <a:ext cx="2336800" cy="321945"/>
-          </a:xfrm>
-          <a:custGeom>
-            <a:avLst/>
-            <a:gdLst/>
-            <a:ahLst/>
-            <a:cxnLst/>
-            <a:rect l="l" t="t" r="r" b="b"/>
-            <a:pathLst>
-              <a:path w="2336800" h="321944">
-                <a:moveTo>
-                  <a:pt x="2336291" y="0"/>
-                </a:moveTo>
-                <a:lnTo>
-                  <a:pt x="0" y="0"/>
-                </a:lnTo>
-                <a:lnTo>
-                  <a:pt x="0" y="321563"/>
-                </a:lnTo>
-                <a:lnTo>
-                  <a:pt x="2336291" y="321563"/>
-                </a:lnTo>
-                <a:lnTo>
-                  <a:pt x="2336291" y="0"/>
-                </a:lnTo>
-                <a:close/>
-              </a:path>
-            </a:pathLst>
-          </a:custGeom>
-          <a:solidFill>
-            <a:srgbClr val="171717"/>
-          </a:solidFill>
-        </p:spPr>
-        <p:txBody>
-          <a:bodyPr wrap="square" lIns="0" tIns="0" rIns="0" bIns="0" rtlCol="0"/>
-          <a:lstStyle/>
-          <a:p/>
         </p:txBody>
       </p:sp>
       <p:sp>
@@ -14823,390 +14775,6 @@
           </p:spPr>
         </p:pic>
       </p:grpSp>
-      <p:sp>
-        <p:nvSpPr>
-          <p:cNvPr id="15" name="object 15"/>
-          <p:cNvSpPr/>
-          <p:nvPr/>
-        </p:nvSpPr>
-        <p:spPr>
-          <a:xfrm>
-            <a:off x="8894064" y="3823715"/>
-            <a:ext cx="821690" cy="327660"/>
-          </a:xfrm>
-          <a:custGeom>
-            <a:avLst/>
-            <a:gdLst/>
-            <a:ahLst/>
-            <a:cxnLst/>
-            <a:rect l="l" t="t" r="r" b="b"/>
-            <a:pathLst>
-              <a:path w="821690" h="327660">
-                <a:moveTo>
-                  <a:pt x="821435" y="0"/>
-                </a:moveTo>
-                <a:lnTo>
-                  <a:pt x="0" y="0"/>
-                </a:lnTo>
-                <a:lnTo>
-                  <a:pt x="0" y="327660"/>
-                </a:lnTo>
-                <a:lnTo>
-                  <a:pt x="821435" y="327660"/>
-                </a:lnTo>
-                <a:lnTo>
-                  <a:pt x="821435" y="0"/>
-                </a:lnTo>
-                <a:close/>
-              </a:path>
-            </a:pathLst>
-          </a:custGeom>
-          <a:solidFill>
-            <a:srgbClr val="FFFFFF"/>
-          </a:solidFill>
-        </p:spPr>
-        <p:txBody>
-          <a:bodyPr wrap="square" lIns="0" tIns="0" rIns="0" bIns="0" rtlCol="0"/>
-          <a:lstStyle/>
-          <a:p/>
-        </p:txBody>
-      </p:sp>
-      <p:sp>
-        <p:nvSpPr>
-          <p:cNvPr id="16" name="object 16"/>
-          <p:cNvSpPr/>
-          <p:nvPr/>
-        </p:nvSpPr>
-        <p:spPr>
-          <a:xfrm>
-            <a:off x="9765792" y="3823715"/>
-            <a:ext cx="401320" cy="327660"/>
-          </a:xfrm>
-          <a:custGeom>
-            <a:avLst/>
-            <a:gdLst/>
-            <a:ahLst/>
-            <a:cxnLst/>
-            <a:rect l="l" t="t" r="r" b="b"/>
-            <a:pathLst>
-              <a:path w="401320" h="327660">
-                <a:moveTo>
-                  <a:pt x="400811" y="0"/>
-                </a:moveTo>
-                <a:lnTo>
-                  <a:pt x="0" y="0"/>
-                </a:lnTo>
-                <a:lnTo>
-                  <a:pt x="0" y="327660"/>
-                </a:lnTo>
-                <a:lnTo>
-                  <a:pt x="400811" y="327660"/>
-                </a:lnTo>
-                <a:lnTo>
-                  <a:pt x="400811" y="0"/>
-                </a:lnTo>
-                <a:close/>
-              </a:path>
-            </a:pathLst>
-          </a:custGeom>
-          <a:solidFill>
-            <a:srgbClr val="FFFFFF"/>
-          </a:solidFill>
-        </p:spPr>
-        <p:txBody>
-          <a:bodyPr wrap="square" lIns="0" tIns="0" rIns="0" bIns="0" rtlCol="0"/>
-          <a:lstStyle/>
-          <a:p/>
-        </p:txBody>
-      </p:sp>
-      <p:sp>
-        <p:nvSpPr>
-          <p:cNvPr id="17" name="object 17"/>
-          <p:cNvSpPr/>
-          <p:nvPr/>
-        </p:nvSpPr>
-        <p:spPr>
-          <a:xfrm>
-            <a:off x="9002268" y="4338828"/>
-            <a:ext cx="822960" cy="326390"/>
-          </a:xfrm>
-          <a:custGeom>
-            <a:avLst/>
-            <a:gdLst/>
-            <a:ahLst/>
-            <a:cxnLst/>
-            <a:rect l="l" t="t" r="r" b="b"/>
-            <a:pathLst>
-              <a:path w="822959" h="326389">
-                <a:moveTo>
-                  <a:pt x="822959" y="0"/>
-                </a:moveTo>
-                <a:lnTo>
-                  <a:pt x="0" y="0"/>
-                </a:lnTo>
-                <a:lnTo>
-                  <a:pt x="0" y="326136"/>
-                </a:lnTo>
-                <a:lnTo>
-                  <a:pt x="822959" y="326136"/>
-                </a:lnTo>
-                <a:lnTo>
-                  <a:pt x="822959" y="0"/>
-                </a:lnTo>
-                <a:close/>
-              </a:path>
-            </a:pathLst>
-          </a:custGeom>
-          <a:solidFill>
-            <a:srgbClr val="FFFFFF"/>
-          </a:solidFill>
-        </p:spPr>
-        <p:txBody>
-          <a:bodyPr wrap="square" lIns="0" tIns="0" rIns="0" bIns="0" rtlCol="0"/>
-          <a:lstStyle/>
-          <a:p/>
-        </p:txBody>
-      </p:sp>
-      <p:sp>
-        <p:nvSpPr>
-          <p:cNvPr id="18" name="object 18"/>
-          <p:cNvSpPr/>
-          <p:nvPr/>
-        </p:nvSpPr>
-        <p:spPr>
-          <a:xfrm>
-            <a:off x="9873995" y="4338828"/>
-            <a:ext cx="401320" cy="326390"/>
-          </a:xfrm>
-          <a:custGeom>
-            <a:avLst/>
-            <a:gdLst/>
-            <a:ahLst/>
-            <a:cxnLst/>
-            <a:rect l="l" t="t" r="r" b="b"/>
-            <a:pathLst>
-              <a:path w="401320" h="326389">
-                <a:moveTo>
-                  <a:pt x="400811" y="0"/>
-                </a:moveTo>
-                <a:lnTo>
-                  <a:pt x="0" y="0"/>
-                </a:lnTo>
-                <a:lnTo>
-                  <a:pt x="0" y="326136"/>
-                </a:lnTo>
-                <a:lnTo>
-                  <a:pt x="400811" y="326136"/>
-                </a:lnTo>
-                <a:lnTo>
-                  <a:pt x="400811" y="0"/>
-                </a:lnTo>
-                <a:close/>
-              </a:path>
-            </a:pathLst>
-          </a:custGeom>
-          <a:solidFill>
-            <a:srgbClr val="FFFFFF"/>
-          </a:solidFill>
-        </p:spPr>
-        <p:txBody>
-          <a:bodyPr wrap="square" lIns="0" tIns="0" rIns="0" bIns="0" rtlCol="0"/>
-          <a:lstStyle/>
-          <a:p/>
-        </p:txBody>
-      </p:sp>
-      <p:sp>
-        <p:nvSpPr>
-          <p:cNvPr id="19" name="object 19"/>
-          <p:cNvSpPr/>
-          <p:nvPr/>
-        </p:nvSpPr>
-        <p:spPr>
-          <a:xfrm>
-            <a:off x="9002268" y="4852415"/>
-            <a:ext cx="822960" cy="327660"/>
-          </a:xfrm>
-          <a:custGeom>
-            <a:avLst/>
-            <a:gdLst/>
-            <a:ahLst/>
-            <a:cxnLst/>
-            <a:rect l="l" t="t" r="r" b="b"/>
-            <a:pathLst>
-              <a:path w="822959" h="327660">
-                <a:moveTo>
-                  <a:pt x="822959" y="0"/>
-                </a:moveTo>
-                <a:lnTo>
-                  <a:pt x="0" y="0"/>
-                </a:lnTo>
-                <a:lnTo>
-                  <a:pt x="0" y="327660"/>
-                </a:lnTo>
-                <a:lnTo>
-                  <a:pt x="822959" y="327660"/>
-                </a:lnTo>
-                <a:lnTo>
-                  <a:pt x="822959" y="0"/>
-                </a:lnTo>
-                <a:close/>
-              </a:path>
-            </a:pathLst>
-          </a:custGeom>
-          <a:solidFill>
-            <a:srgbClr val="FFFFFF"/>
-          </a:solidFill>
-        </p:spPr>
-        <p:txBody>
-          <a:bodyPr wrap="square" lIns="0" tIns="0" rIns="0" bIns="0" rtlCol="0"/>
-          <a:lstStyle/>
-          <a:p/>
-        </p:txBody>
-      </p:sp>
-      <p:sp>
-        <p:nvSpPr>
-          <p:cNvPr id="20" name="object 20"/>
-          <p:cNvSpPr/>
-          <p:nvPr/>
-        </p:nvSpPr>
-        <p:spPr>
-          <a:xfrm>
-            <a:off x="9873995" y="4852415"/>
-            <a:ext cx="401320" cy="327660"/>
-          </a:xfrm>
-          <a:custGeom>
-            <a:avLst/>
-            <a:gdLst/>
-            <a:ahLst/>
-            <a:cxnLst/>
-            <a:rect l="l" t="t" r="r" b="b"/>
-            <a:pathLst>
-              <a:path w="401320" h="327660">
-                <a:moveTo>
-                  <a:pt x="400811" y="0"/>
-                </a:moveTo>
-                <a:lnTo>
-                  <a:pt x="0" y="0"/>
-                </a:lnTo>
-                <a:lnTo>
-                  <a:pt x="0" y="327660"/>
-                </a:lnTo>
-                <a:lnTo>
-                  <a:pt x="400811" y="327660"/>
-                </a:lnTo>
-                <a:lnTo>
-                  <a:pt x="400811" y="0"/>
-                </a:lnTo>
-                <a:close/>
-              </a:path>
-            </a:pathLst>
-          </a:custGeom>
-          <a:solidFill>
-            <a:srgbClr val="FFFFFF"/>
-          </a:solidFill>
-        </p:spPr>
-        <p:txBody>
-          <a:bodyPr wrap="square" lIns="0" tIns="0" rIns="0" bIns="0" rtlCol="0"/>
-          <a:lstStyle/>
-          <a:p/>
-        </p:txBody>
-      </p:sp>
-      <p:sp>
-        <p:nvSpPr>
-          <p:cNvPr id="21" name="object 21"/>
-          <p:cNvSpPr/>
-          <p:nvPr/>
-        </p:nvSpPr>
-        <p:spPr>
-          <a:xfrm>
-            <a:off x="758951" y="3285744"/>
-            <a:ext cx="401320" cy="327660"/>
-          </a:xfrm>
-          <a:custGeom>
-            <a:avLst/>
-            <a:gdLst/>
-            <a:ahLst/>
-            <a:cxnLst/>
-            <a:rect l="l" t="t" r="r" b="b"/>
-            <a:pathLst>
-              <a:path w="401319" h="327660">
-                <a:moveTo>
-                  <a:pt x="400811" y="0"/>
-                </a:moveTo>
-                <a:lnTo>
-                  <a:pt x="0" y="0"/>
-                </a:lnTo>
-                <a:lnTo>
-                  <a:pt x="0" y="327659"/>
-                </a:lnTo>
-                <a:lnTo>
-                  <a:pt x="400811" y="327659"/>
-                </a:lnTo>
-                <a:lnTo>
-                  <a:pt x="400811" y="0"/>
-                </a:lnTo>
-                <a:close/>
-              </a:path>
-            </a:pathLst>
-          </a:custGeom>
-          <a:solidFill>
-            <a:srgbClr val="171717"/>
-          </a:solidFill>
-        </p:spPr>
-        <p:txBody>
-          <a:bodyPr wrap="square" lIns="0" tIns="0" rIns="0" bIns="0" rtlCol="0"/>
-          <a:lstStyle/>
-          <a:p/>
-        </p:txBody>
-      </p:sp>
-      <p:sp>
-        <p:nvSpPr>
-          <p:cNvPr id="22" name="object 22"/>
-          <p:cNvSpPr/>
-          <p:nvPr/>
-        </p:nvSpPr>
-        <p:spPr>
-          <a:xfrm>
-            <a:off x="175260" y="5942076"/>
-            <a:ext cx="399415" cy="327660"/>
-          </a:xfrm>
-          <a:custGeom>
-            <a:avLst/>
-            <a:gdLst/>
-            <a:ahLst/>
-            <a:cxnLst/>
-            <a:rect l="l" t="t" r="r" b="b"/>
-            <a:pathLst>
-              <a:path w="399415" h="327660">
-                <a:moveTo>
-                  <a:pt x="399288" y="0"/>
-                </a:moveTo>
-                <a:lnTo>
-                  <a:pt x="0" y="0"/>
-                </a:lnTo>
-                <a:lnTo>
-                  <a:pt x="0" y="327660"/>
-                </a:lnTo>
-                <a:lnTo>
-                  <a:pt x="399288" y="327660"/>
-                </a:lnTo>
-                <a:lnTo>
-                  <a:pt x="399288" y="0"/>
-                </a:lnTo>
-                <a:close/>
-              </a:path>
-            </a:pathLst>
-          </a:custGeom>
-          <a:solidFill>
-            <a:srgbClr val="171717"/>
-          </a:solidFill>
-        </p:spPr>
-        <p:txBody>
-          <a:bodyPr wrap="square" lIns="0" tIns="0" rIns="0" bIns="0" rtlCol="0"/>
-          <a:lstStyle/>
-          <a:p/>
-        </p:txBody>
-      </p:sp>
       <p:grpSp>
         <p:nvGrpSpPr>
           <p:cNvPr id="23" name="object 23"/>
@@ -15380,7 +14948,7 @@
         </p:nvSpPr>
         <p:spPr>
           <a:xfrm>
-            <a:off x="8534400" y="5337175"/>
+            <a:off x="8589645" y="5334000"/>
             <a:ext cx="581025" cy="368300"/>
           </a:xfrm>
           <a:prstGeom prst="rect">
@@ -16348,72 +15916,6 @@
           </p:spPr>
         </p:pic>
       </p:grpSp>
-      <p:sp>
-        <p:nvSpPr>
-          <p:cNvPr id="15" name="object 15"/>
-          <p:cNvSpPr/>
-          <p:nvPr/>
-        </p:nvSpPr>
-        <p:spPr>
-          <a:xfrm>
-            <a:off x="9002268" y="4338827"/>
-            <a:ext cx="1447800" cy="326390"/>
-          </a:xfrm>
-          <a:custGeom>
-            <a:avLst/>
-            <a:gdLst/>
-            <a:ahLst/>
-            <a:cxnLst/>
-            <a:rect l="l" t="t" r="r" b="b"/>
-            <a:pathLst>
-              <a:path w="1447800" h="326389">
-                <a:moveTo>
-                  <a:pt x="830580" y="0"/>
-                </a:moveTo>
-                <a:lnTo>
-                  <a:pt x="0" y="0"/>
-                </a:lnTo>
-                <a:lnTo>
-                  <a:pt x="0" y="326136"/>
-                </a:lnTo>
-                <a:lnTo>
-                  <a:pt x="830580" y="326136"/>
-                </a:lnTo>
-                <a:lnTo>
-                  <a:pt x="830580" y="0"/>
-                </a:lnTo>
-                <a:close/>
-              </a:path>
-              <a:path w="1447800" h="326389">
-                <a:moveTo>
-                  <a:pt x="1447800" y="0"/>
-                </a:moveTo>
-                <a:lnTo>
-                  <a:pt x="871728" y="0"/>
-                </a:lnTo>
-                <a:lnTo>
-                  <a:pt x="871728" y="326136"/>
-                </a:lnTo>
-                <a:lnTo>
-                  <a:pt x="1447800" y="326136"/>
-                </a:lnTo>
-                <a:lnTo>
-                  <a:pt x="1447800" y="0"/>
-                </a:lnTo>
-                <a:close/>
-              </a:path>
-            </a:pathLst>
-          </a:custGeom>
-          <a:solidFill>
-            <a:srgbClr val="FFFFFF"/>
-          </a:solidFill>
-        </p:spPr>
-        <p:txBody>
-          <a:bodyPr wrap="square" lIns="0" tIns="0" rIns="0" bIns="0" rtlCol="0"/>
-          <a:lstStyle/>
-          <a:p/>
-        </p:txBody>
-      </p:sp>
       <p:grpSp>
         <p:nvGrpSpPr>
           <p:cNvPr id="16" name="object 16"/>
